--- a/SkewedKurtosis2.pptx
+++ b/SkewedKurtosis2.pptx
@@ -366,7 +366,7 @@
             <a:fld id="{B61BEF0D-F0BB-DE4B-95CE-6DB70DBA9567}" type="datetimeFigureOut">
               <a:rPr lang="en-US" dirty="0"/>
               <a:pPr/>
-              <a:t>11.03.18</a:t>
+              <a:t>3/12/18</a:t>
             </a:fld>
             <a:endParaRPr lang="en-US" dirty="0"/>
           </a:p>
@@ -441,7 +441,7 @@
             <a:fld id="{D57F1E4F-1CFF-5643-939E-217C01CDF565}" type="slidenum">
               <a:rPr lang="en-US" dirty="0"/>
               <a:pPr/>
-              <a:t>‹Nr.›</a:t>
+              <a:t>‹#›</a:t>
             </a:fld>
             <a:endParaRPr lang="en-US" dirty="0"/>
           </a:p>
@@ -625,7 +625,7 @@
             <a:fld id="{B61BEF0D-F0BB-DE4B-95CE-6DB70DBA9567}" type="datetimeFigureOut">
               <a:rPr lang="en-US" dirty="0"/>
               <a:pPr/>
-              <a:t>11.03.18</a:t>
+              <a:t>3/12/18</a:t>
             </a:fld>
             <a:endParaRPr lang="en-US" dirty="0"/>
           </a:p>
@@ -668,7 +668,7 @@
             <a:fld id="{D57F1E4F-1CFF-5643-939E-217C01CDF565}" type="slidenum">
               <a:rPr lang="en-US" dirty="0"/>
               <a:pPr/>
-              <a:t>‹Nr.›</a:t>
+              <a:t>‹#›</a:t>
             </a:fld>
             <a:endParaRPr lang="en-US" dirty="0"/>
           </a:p>
@@ -857,7 +857,7 @@
             <a:fld id="{B61BEF0D-F0BB-DE4B-95CE-6DB70DBA9567}" type="datetimeFigureOut">
               <a:rPr lang="en-US" dirty="0"/>
               <a:pPr/>
-              <a:t>11.03.18</a:t>
+              <a:t>3/12/18</a:t>
             </a:fld>
             <a:endParaRPr lang="en-US" dirty="0"/>
           </a:p>
@@ -921,7 +921,7 @@
             <a:fld id="{D57F1E4F-1CFF-5643-939E-217C01CDF565}" type="slidenum">
               <a:rPr lang="en-US" dirty="0"/>
               <a:pPr/>
-              <a:t>‹Nr.›</a:t>
+              <a:t>‹#›</a:t>
             </a:fld>
             <a:endParaRPr lang="en-US" dirty="0"/>
           </a:p>
@@ -1094,7 +1094,7 @@
             <a:fld id="{B61BEF0D-F0BB-DE4B-95CE-6DB70DBA9567}" type="datetimeFigureOut">
               <a:rPr lang="en-US" dirty="0"/>
               <a:pPr/>
-              <a:t>11.03.18</a:t>
+              <a:t>3/12/18</a:t>
             </a:fld>
             <a:endParaRPr lang="en-US" dirty="0"/>
           </a:p>
@@ -1142,7 +1142,7 @@
             <a:fld id="{D57F1E4F-1CFF-5643-939E-217C01CDF565}" type="slidenum">
               <a:rPr lang="en-US" dirty="0"/>
               <a:pPr/>
-              <a:t>‹Nr.›</a:t>
+              <a:t>‹#›</a:t>
             </a:fld>
             <a:endParaRPr lang="en-US" dirty="0"/>
           </a:p>
@@ -1398,7 +1398,7 @@
             <a:fld id="{B61BEF0D-F0BB-DE4B-95CE-6DB70DBA9567}" type="datetimeFigureOut">
               <a:rPr lang="en-US" dirty="0"/>
               <a:pPr/>
-              <a:t>11.03.18</a:t>
+              <a:t>3/12/18</a:t>
             </a:fld>
             <a:endParaRPr lang="en-US" dirty="0"/>
           </a:p>
@@ -1463,7 +1463,7 @@
             <a:fld id="{D57F1E4F-1CFF-5643-939E-217C01CDF565}" type="slidenum">
               <a:rPr lang="en-US" dirty="0"/>
               <a:pPr/>
-              <a:t>‹Nr.›</a:t>
+              <a:t>‹#›</a:t>
             </a:fld>
             <a:endParaRPr lang="en-US" dirty="0"/>
           </a:p>
@@ -1697,7 +1697,7 @@
             <a:fld id="{B61BEF0D-F0BB-DE4B-95CE-6DB70DBA9567}" type="datetimeFigureOut">
               <a:rPr lang="en-US" dirty="0"/>
               <a:pPr/>
-              <a:t>11.03.18</a:t>
+              <a:t>3/12/18</a:t>
             </a:fld>
             <a:endParaRPr lang="en-US" dirty="0"/>
           </a:p>
@@ -1740,7 +1740,7 @@
             <a:fld id="{D57F1E4F-1CFF-5643-939E-217C01CDF565}" type="slidenum">
               <a:rPr lang="en-US" dirty="0"/>
               <a:pPr/>
-              <a:t>‹Nr.›</a:t>
+              <a:t>‹#›</a:t>
             </a:fld>
             <a:endParaRPr lang="en-US" dirty="0"/>
           </a:p>
@@ -2116,7 +2116,7 @@
             <a:fld id="{B61BEF0D-F0BB-DE4B-95CE-6DB70DBA9567}" type="datetimeFigureOut">
               <a:rPr lang="en-US" dirty="0"/>
               <a:pPr/>
-              <a:t>11.03.18</a:t>
+              <a:t>3/12/18</a:t>
             </a:fld>
             <a:endParaRPr lang="en-US" dirty="0"/>
           </a:p>
@@ -2159,7 +2159,7 @@
             <a:fld id="{D57F1E4F-1CFF-5643-939E-217C01CDF565}" type="slidenum">
               <a:rPr lang="en-US" dirty="0"/>
               <a:pPr/>
-              <a:t>‹Nr.›</a:t>
+              <a:t>‹#›</a:t>
             </a:fld>
             <a:endParaRPr lang="en-US" dirty="0"/>
           </a:p>
@@ -2275,7 +2275,7 @@
             <a:fld id="{B61BEF0D-F0BB-DE4B-95CE-6DB70DBA9567}" type="datetimeFigureOut">
               <a:rPr lang="en-US" dirty="0"/>
               <a:pPr/>
-              <a:t>11.03.18</a:t>
+              <a:t>3/12/18</a:t>
             </a:fld>
             <a:endParaRPr lang="en-US" dirty="0"/>
           </a:p>
@@ -2318,7 +2318,7 @@
             <a:fld id="{D57F1E4F-1CFF-5643-939E-217C01CDF565}" type="slidenum">
               <a:rPr lang="en-US" dirty="0"/>
               <a:pPr/>
-              <a:t>‹Nr.›</a:t>
+              <a:t>‹#›</a:t>
             </a:fld>
             <a:endParaRPr lang="en-US" dirty="0"/>
           </a:p>
@@ -2367,7 +2367,7 @@
             <a:fld id="{B61BEF0D-F0BB-DE4B-95CE-6DB70DBA9567}" type="datetimeFigureOut">
               <a:rPr lang="en-US" dirty="0"/>
               <a:pPr/>
-              <a:t>11.03.18</a:t>
+              <a:t>3/12/18</a:t>
             </a:fld>
             <a:endParaRPr lang="en-US" dirty="0"/>
           </a:p>
@@ -2410,7 +2410,7 @@
             <a:fld id="{D57F1E4F-1CFF-5643-939E-217C01CDF565}" type="slidenum">
               <a:rPr lang="en-US" dirty="0"/>
               <a:pPr/>
-              <a:t>‹Nr.›</a:t>
+              <a:t>‹#›</a:t>
             </a:fld>
             <a:endParaRPr lang="en-US" dirty="0"/>
           </a:p>
@@ -2742,7 +2742,7 @@
             <a:fld id="{B61BEF0D-F0BB-DE4B-95CE-6DB70DBA9567}" type="datetimeFigureOut">
               <a:rPr lang="en-US" dirty="0"/>
               <a:pPr/>
-              <a:t>11.03.18</a:t>
+              <a:t>3/12/18</a:t>
             </a:fld>
             <a:endParaRPr lang="en-US" dirty="0"/>
           </a:p>
@@ -2807,7 +2807,7 @@
             <a:fld id="{D57F1E4F-1CFF-5643-939E-217C01CDF565}" type="slidenum">
               <a:rPr lang="en-US" dirty="0"/>
               <a:pPr/>
-              <a:t>‹Nr.›</a:t>
+              <a:t>‹#›</a:t>
             </a:fld>
             <a:endParaRPr lang="en-US" dirty="0"/>
           </a:p>
@@ -3028,7 +3028,7 @@
             <a:fld id="{B61BEF0D-F0BB-DE4B-95CE-6DB70DBA9567}" type="datetimeFigureOut">
               <a:rPr lang="en-US" dirty="0"/>
               <a:pPr/>
-              <a:t>11.03.18</a:t>
+              <a:t>3/12/18</a:t>
             </a:fld>
             <a:endParaRPr lang="en-US" dirty="0"/>
           </a:p>
@@ -3071,7 +3071,7 @@
             <a:fld id="{D57F1E4F-1CFF-5643-939E-217C01CDF565}" type="slidenum">
               <a:rPr lang="en-US" dirty="0"/>
               <a:pPr/>
-              <a:t>‹Nr.›</a:t>
+              <a:t>‹#›</a:t>
             </a:fld>
             <a:endParaRPr lang="en-US" dirty="0"/>
           </a:p>
@@ -3236,7 +3236,7 @@
             <a:fld id="{B61BEF0D-F0BB-DE4B-95CE-6DB70DBA9567}" type="datetimeFigureOut">
               <a:rPr lang="en-US" dirty="0"/>
               <a:pPr/>
-              <a:t>11.03.18</a:t>
+              <a:t>3/12/18</a:t>
             </a:fld>
             <a:endParaRPr lang="en-US" dirty="0"/>
           </a:p>
@@ -3311,7 +3311,7 @@
             <a:fld id="{D57F1E4F-1CFF-5643-939E-217C01CDF565}" type="slidenum">
               <a:rPr lang="en-US" dirty="0"/>
               <a:pPr/>
-              <a:t>‹Nr.›</a:t>
+              <a:t>‹#›</a:t>
             </a:fld>
             <a:endParaRPr lang="en-US" dirty="0"/>
           </a:p>
@@ -3838,7 +3838,7 @@
           <p:cNvPr id="2" name="Title 1">
             <a:extLst>
               <a:ext uri="{FF2B5EF4-FFF2-40B4-BE49-F238E27FC236}">
-                <a16:creationId xmlns="" xmlns:a16="http://schemas.microsoft.com/office/drawing/2014/main" id="{2A4F5C5A-34D7-7441-99C8-CA9A1D257436}"/>
+                <a16:creationId xmlns:a16="http://schemas.microsoft.com/office/drawing/2014/main" xmlns="" id="{2A4F5C5A-34D7-7441-99C8-CA9A1D257436}"/>
               </a:ext>
             </a:extLst>
           </p:cNvPr>
@@ -3881,7 +3881,7 @@
           <p:cNvPr id="3" name="Subtitle 2">
             <a:extLst>
               <a:ext uri="{FF2B5EF4-FFF2-40B4-BE49-F238E27FC236}">
-                <a16:creationId xmlns="" xmlns:a16="http://schemas.microsoft.com/office/drawing/2014/main" id="{3887C8DA-64CB-E744-835D-5EBE3D83CBC1}"/>
+                <a16:creationId xmlns:a16="http://schemas.microsoft.com/office/drawing/2014/main" xmlns="" id="{3887C8DA-64CB-E744-835D-5EBE3D83CBC1}"/>
               </a:ext>
             </a:extLst>
           </p:cNvPr>
@@ -3914,7 +3914,7 @@
           <p:cNvPr id="4" name="TextBox 3">
             <a:extLst>
               <a:ext uri="{FF2B5EF4-FFF2-40B4-BE49-F238E27FC236}">
-                <a16:creationId xmlns="" xmlns:a16="http://schemas.microsoft.com/office/drawing/2014/main" id="{034EEDBB-9168-8E4B-96D8-7BEC0951B006}"/>
+                <a16:creationId xmlns:a16="http://schemas.microsoft.com/office/drawing/2014/main" xmlns="" id="{034EEDBB-9168-8E4B-96D8-7BEC0951B006}"/>
               </a:ext>
             </a:extLst>
           </p:cNvPr>
@@ -6104,7 +6104,7 @@
             <p:ph sz="half" idx="1"/>
             <p:extLst>
               <p:ext uri="{D42A27DB-BD31-4B8C-83A1-F6EECF244321}">
-                <p14:modId xmlns:p14="http://schemas.microsoft.com/office/powerpoint/2010/main" val="1123679319"/>
+                <p14:modId xmlns:p14="http://schemas.microsoft.com/office/powerpoint/2010/main" val="2534917154"/>
               </p:ext>
             </p:extLst>
           </p:nvPr>
@@ -7106,21 +7106,40 @@
                       <a:pPr algn="ctr"/>
                       <a:r>
                         <a:rPr lang="de-DE" dirty="0" smtClean="0"/>
+                        <a:t>-</a:t>
+                      </a:r>
+                      <a:endParaRPr lang="de-DE" dirty="0"/>
+                    </a:p>
+                  </a:txBody>
+                  <a:tcPr anchor="ctr"/>
+                </a:tc>
+                <a:tc>
+                  <a:txBody>
+                    <a:bodyPr/>
+                    <a:lstStyle/>
+                    <a:p>
+                      <a:pPr algn="ctr"/>
+                      <a:r>
+                        <a:rPr lang="de-DE" dirty="0" smtClean="0"/>
                         <a:t>0.1170</a:t>
                       </a:r>
+                    </a:p>
+                  </a:txBody>
+                  <a:tcPr/>
+                </a:tc>
+                <a:tc>
+                  <a:txBody>
+                    <a:bodyPr/>
+                    <a:lstStyle/>
+                    <a:p>
+                      <a:pPr algn="ctr"/>
+                      <a:r>
+                        <a:rPr lang="de-DE" dirty="0" smtClean="0"/>
+                        <a:t>0.1167</a:t>
+                      </a:r>
                       <a:endParaRPr lang="de-DE" dirty="0"/>
                     </a:p>
                   </a:txBody>
-                  <a:tcPr anchor="ctr"/>
-                </a:tc>
-                <a:tc>
-                  <a:txBody>
-                    <a:bodyPr/>
-                    <a:lstStyle/>
-                    <a:p>
-                      <a:endParaRPr lang="de-DE"/>
-                    </a:p>
-                  </a:txBody>
                   <a:tcPr/>
                 </a:tc>
                 <a:tc>
@@ -7128,16 +7147,11 @@
                     <a:bodyPr/>
                     <a:lstStyle/>
                     <a:p>
-                      <a:endParaRPr lang="de-DE"/>
-                    </a:p>
-                  </a:txBody>
-                  <a:tcPr/>
-                </a:tc>
-                <a:tc>
-                  <a:txBody>
-                    <a:bodyPr/>
-                    <a:lstStyle/>
-                    <a:p>
+                      <a:pPr algn="ctr"/>
+                      <a:r>
+                        <a:rPr lang="de-DE" smtClean="0"/>
+                        <a:t>0.1270</a:t>
+                      </a:r>
                       <a:endParaRPr lang="de-DE" dirty="0"/>
                     </a:p>
                   </a:txBody>
@@ -7183,7 +7197,7 @@
           <p:cNvPr id="2" name="Title 1">
             <a:extLst>
               <a:ext uri="{FF2B5EF4-FFF2-40B4-BE49-F238E27FC236}">
-                <a16:creationId xmlns="" xmlns:a16="http://schemas.microsoft.com/office/drawing/2014/main" id="{1683E7D8-8819-B544-B47B-FB5F13FA03E4}"/>
+                <a16:creationId xmlns:a16="http://schemas.microsoft.com/office/drawing/2014/main" xmlns="" id="{1683E7D8-8819-B544-B47B-FB5F13FA03E4}"/>
               </a:ext>
             </a:extLst>
           </p:cNvPr>
@@ -7218,7 +7232,7 @@
           <p:cNvPr id="3" name="Content Placeholder 2">
             <a:extLst>
               <a:ext uri="{FF2B5EF4-FFF2-40B4-BE49-F238E27FC236}">
-                <a16:creationId xmlns="" xmlns:a16="http://schemas.microsoft.com/office/drawing/2014/main" id="{EAA12BFF-4C43-AA43-A56D-510C87E48B88}"/>
+                <a16:creationId xmlns:a16="http://schemas.microsoft.com/office/drawing/2014/main" xmlns="" id="{EAA12BFF-4C43-AA43-A56D-510C87E48B88}"/>
               </a:ext>
             </a:extLst>
           </p:cNvPr>
@@ -7307,7 +7321,7 @@
           <p:cNvPr id="6" name="Content Placeholder 5">
             <a:extLst>
               <a:ext uri="{FF2B5EF4-FFF2-40B4-BE49-F238E27FC236}">
-                <a16:creationId xmlns="" xmlns:a16="http://schemas.microsoft.com/office/drawing/2014/main" id="{06618E66-5C20-7244-92E9-2990D6606155}"/>
+                <a16:creationId xmlns:a16="http://schemas.microsoft.com/office/drawing/2014/main" xmlns="" id="{06618E66-5C20-7244-92E9-2990D6606155}"/>
               </a:ext>
             </a:extLst>
           </p:cNvPr>
@@ -7366,7 +7380,7 @@
           <p:cNvPr id="2" name="Title 1">
             <a:extLst>
               <a:ext uri="{FF2B5EF4-FFF2-40B4-BE49-F238E27FC236}">
-                <a16:creationId xmlns="" xmlns:a16="http://schemas.microsoft.com/office/drawing/2014/main" id="{E1F1FE36-2493-C747-9CF3-7413C66FFDF0}"/>
+                <a16:creationId xmlns:a16="http://schemas.microsoft.com/office/drawing/2014/main" xmlns="" id="{E1F1FE36-2493-C747-9CF3-7413C66FFDF0}"/>
               </a:ext>
             </a:extLst>
           </p:cNvPr>
@@ -7401,7 +7415,7 @@
           <p:cNvPr id="3" name="Content Placeholder 2">
             <a:extLst>
               <a:ext uri="{FF2B5EF4-FFF2-40B4-BE49-F238E27FC236}">
-                <a16:creationId xmlns="" xmlns:a16="http://schemas.microsoft.com/office/drawing/2014/main" id="{C7847CC3-DCD7-344E-8B92-D08DE53D650C}"/>
+                <a16:creationId xmlns:a16="http://schemas.microsoft.com/office/drawing/2014/main" xmlns="" id="{C7847CC3-DCD7-344E-8B92-D08DE53D650C}"/>
               </a:ext>
             </a:extLst>
           </p:cNvPr>
@@ -7434,7 +7448,7 @@
           <p:cNvPr id="6" name="Content Placeholder 5">
             <a:extLst>
               <a:ext uri="{FF2B5EF4-FFF2-40B4-BE49-F238E27FC236}">
-                <a16:creationId xmlns="" xmlns:a16="http://schemas.microsoft.com/office/drawing/2014/main" id="{1656BC82-0D18-424D-8444-96B3E60D9A6B}"/>
+                <a16:creationId xmlns:a16="http://schemas.microsoft.com/office/drawing/2014/main" xmlns="" id="{1656BC82-0D18-424D-8444-96B3E60D9A6B}"/>
               </a:ext>
             </a:extLst>
           </p:cNvPr>
@@ -7463,7 +7477,7 @@
           <p:cNvPr id="7" name="Content Placeholder 2">
             <a:extLst>
               <a:ext uri="{FF2B5EF4-FFF2-40B4-BE49-F238E27FC236}">
-                <a16:creationId xmlns="" xmlns:a16="http://schemas.microsoft.com/office/drawing/2014/main" id="{2D72A025-59E2-CC4D-A262-8064A0A01945}"/>
+                <a16:creationId xmlns:a16="http://schemas.microsoft.com/office/drawing/2014/main" xmlns="" id="{2D72A025-59E2-CC4D-A262-8064A0A01945}"/>
               </a:ext>
             </a:extLst>
           </p:cNvPr>
@@ -7698,7 +7712,7 @@
           <p:cNvPr id="9" name="Picture 8">
             <a:extLst>
               <a:ext uri="{FF2B5EF4-FFF2-40B4-BE49-F238E27FC236}">
-                <a16:creationId xmlns="" xmlns:a16="http://schemas.microsoft.com/office/drawing/2014/main" id="{16E09185-833B-944F-A25C-7C9ABAD6C321}"/>
+                <a16:creationId xmlns:a16="http://schemas.microsoft.com/office/drawing/2014/main" xmlns="" id="{16E09185-833B-944F-A25C-7C9ABAD6C321}"/>
               </a:ext>
             </a:extLst>
           </p:cNvPr>
@@ -7758,7 +7772,7 @@
           <p:cNvPr id="2" name="Title 1">
             <a:extLst>
               <a:ext uri="{FF2B5EF4-FFF2-40B4-BE49-F238E27FC236}">
-                <a16:creationId xmlns="" xmlns:a16="http://schemas.microsoft.com/office/drawing/2014/main" id="{E1F1FE36-2493-C747-9CF3-7413C66FFDF0}"/>
+                <a16:creationId xmlns:a16="http://schemas.microsoft.com/office/drawing/2014/main" xmlns="" id="{E1F1FE36-2493-C747-9CF3-7413C66FFDF0}"/>
               </a:ext>
             </a:extLst>
           </p:cNvPr>
@@ -7793,7 +7807,7 @@
           <p:cNvPr id="3" name="Content Placeholder 2">
             <a:extLst>
               <a:ext uri="{FF2B5EF4-FFF2-40B4-BE49-F238E27FC236}">
-                <a16:creationId xmlns="" xmlns:a16="http://schemas.microsoft.com/office/drawing/2014/main" id="{C7847CC3-DCD7-344E-8B92-D08DE53D650C}"/>
+                <a16:creationId xmlns:a16="http://schemas.microsoft.com/office/drawing/2014/main" xmlns="" id="{C7847CC3-DCD7-344E-8B92-D08DE53D650C}"/>
               </a:ext>
             </a:extLst>
           </p:cNvPr>
@@ -7826,7 +7840,7 @@
           <p:cNvPr id="6" name="Content Placeholder 5">
             <a:extLst>
               <a:ext uri="{FF2B5EF4-FFF2-40B4-BE49-F238E27FC236}">
-                <a16:creationId xmlns="" xmlns:a16="http://schemas.microsoft.com/office/drawing/2014/main" id="{1656BC82-0D18-424D-8444-96B3E60D9A6B}"/>
+                <a16:creationId xmlns:a16="http://schemas.microsoft.com/office/drawing/2014/main" xmlns="" id="{1656BC82-0D18-424D-8444-96B3E60D9A6B}"/>
               </a:ext>
             </a:extLst>
           </p:cNvPr>
@@ -7855,7 +7869,7 @@
           <p:cNvPr id="7" name="Content Placeholder 2">
             <a:extLst>
               <a:ext uri="{FF2B5EF4-FFF2-40B4-BE49-F238E27FC236}">
-                <a16:creationId xmlns="" xmlns:a16="http://schemas.microsoft.com/office/drawing/2014/main" id="{2D72A025-59E2-CC4D-A262-8064A0A01945}"/>
+                <a16:creationId xmlns:a16="http://schemas.microsoft.com/office/drawing/2014/main" xmlns="" id="{2D72A025-59E2-CC4D-A262-8064A0A01945}"/>
               </a:ext>
             </a:extLst>
           </p:cNvPr>
@@ -8090,7 +8104,7 @@
           <p:cNvPr id="9" name="Picture 8">
             <a:extLst>
               <a:ext uri="{FF2B5EF4-FFF2-40B4-BE49-F238E27FC236}">
-                <a16:creationId xmlns="" xmlns:a16="http://schemas.microsoft.com/office/drawing/2014/main" id="{16E09185-833B-944F-A25C-7C9ABAD6C321}"/>
+                <a16:creationId xmlns:a16="http://schemas.microsoft.com/office/drawing/2014/main" xmlns="" id="{16E09185-833B-944F-A25C-7C9ABAD6C321}"/>
               </a:ext>
             </a:extLst>
           </p:cNvPr>
@@ -8150,7 +8164,7 @@
           <p:cNvPr id="2" name="Title 1">
             <a:extLst>
               <a:ext uri="{FF2B5EF4-FFF2-40B4-BE49-F238E27FC236}">
-                <a16:creationId xmlns="" xmlns:a16="http://schemas.microsoft.com/office/drawing/2014/main" id="{E1F1FE36-2493-C747-9CF3-7413C66FFDF0}"/>
+                <a16:creationId xmlns:a16="http://schemas.microsoft.com/office/drawing/2014/main" xmlns="" id="{E1F1FE36-2493-C747-9CF3-7413C66FFDF0}"/>
               </a:ext>
             </a:extLst>
           </p:cNvPr>
@@ -8185,7 +8199,7 @@
           <p:cNvPr id="3" name="Content Placeholder 2">
             <a:extLst>
               <a:ext uri="{FF2B5EF4-FFF2-40B4-BE49-F238E27FC236}">
-                <a16:creationId xmlns="" xmlns:a16="http://schemas.microsoft.com/office/drawing/2014/main" id="{C7847CC3-DCD7-344E-8B92-D08DE53D650C}"/>
+                <a16:creationId xmlns:a16="http://schemas.microsoft.com/office/drawing/2014/main" xmlns="" id="{C7847CC3-DCD7-344E-8B92-D08DE53D650C}"/>
               </a:ext>
             </a:extLst>
           </p:cNvPr>
@@ -8242,7 +8256,7 @@
           <p:cNvPr id="6" name="Content Placeholder 5">
             <a:extLst>
               <a:ext uri="{FF2B5EF4-FFF2-40B4-BE49-F238E27FC236}">
-                <a16:creationId xmlns="" xmlns:a16="http://schemas.microsoft.com/office/drawing/2014/main" id="{1656BC82-0D18-424D-8444-96B3E60D9A6B}"/>
+                <a16:creationId xmlns:a16="http://schemas.microsoft.com/office/drawing/2014/main" xmlns="" id="{1656BC82-0D18-424D-8444-96B3E60D9A6B}"/>
               </a:ext>
             </a:extLst>
           </p:cNvPr>
@@ -8271,7 +8285,7 @@
           <p:cNvPr id="7" name="Content Placeholder 2">
             <a:extLst>
               <a:ext uri="{FF2B5EF4-FFF2-40B4-BE49-F238E27FC236}">
-                <a16:creationId xmlns="" xmlns:a16="http://schemas.microsoft.com/office/drawing/2014/main" id="{2D72A025-59E2-CC4D-A262-8064A0A01945}"/>
+                <a16:creationId xmlns:a16="http://schemas.microsoft.com/office/drawing/2014/main" xmlns="" id="{2D72A025-59E2-CC4D-A262-8064A0A01945}"/>
               </a:ext>
             </a:extLst>
           </p:cNvPr>
@@ -8556,7 +8570,7 @@
           <p:cNvPr id="9" name="Picture 8">
             <a:extLst>
               <a:ext uri="{FF2B5EF4-FFF2-40B4-BE49-F238E27FC236}">
-                <a16:creationId xmlns="" xmlns:a16="http://schemas.microsoft.com/office/drawing/2014/main" id="{16E09185-833B-944F-A25C-7C9ABAD6C321}"/>
+                <a16:creationId xmlns:a16="http://schemas.microsoft.com/office/drawing/2014/main" xmlns="" id="{16E09185-833B-944F-A25C-7C9ABAD6C321}"/>
               </a:ext>
             </a:extLst>
           </p:cNvPr>
@@ -8616,7 +8630,7 @@
           <p:cNvPr id="2" name="Title 1">
             <a:extLst>
               <a:ext uri="{FF2B5EF4-FFF2-40B4-BE49-F238E27FC236}">
-                <a16:creationId xmlns="" xmlns:a16="http://schemas.microsoft.com/office/drawing/2014/main" id="{E1F1FE36-2493-C747-9CF3-7413C66FFDF0}"/>
+                <a16:creationId xmlns:a16="http://schemas.microsoft.com/office/drawing/2014/main" xmlns="" id="{E1F1FE36-2493-C747-9CF3-7413C66FFDF0}"/>
               </a:ext>
             </a:extLst>
           </p:cNvPr>
@@ -8651,7 +8665,7 @@
           <p:cNvPr id="7" name="Content Placeholder 2">
             <a:extLst>
               <a:ext uri="{FF2B5EF4-FFF2-40B4-BE49-F238E27FC236}">
-                <a16:creationId xmlns="" xmlns:a16="http://schemas.microsoft.com/office/drawing/2014/main" id="{2D72A025-59E2-CC4D-A262-8064A0A01945}"/>
+                <a16:creationId xmlns:a16="http://schemas.microsoft.com/office/drawing/2014/main" xmlns="" id="{2D72A025-59E2-CC4D-A262-8064A0A01945}"/>
               </a:ext>
             </a:extLst>
           </p:cNvPr>
@@ -8961,7 +8975,7 @@
           <p:cNvPr id="9" name="Picture 8">
             <a:extLst>
               <a:ext uri="{FF2B5EF4-FFF2-40B4-BE49-F238E27FC236}">
-                <a16:creationId xmlns="" xmlns:a16="http://schemas.microsoft.com/office/drawing/2014/main" id="{16E09185-833B-944F-A25C-7C9ABAD6C321}"/>
+                <a16:creationId xmlns:a16="http://schemas.microsoft.com/office/drawing/2014/main" xmlns="" id="{16E09185-833B-944F-A25C-7C9ABAD6C321}"/>
               </a:ext>
             </a:extLst>
           </p:cNvPr>
@@ -9021,7 +9035,7 @@
           <p:cNvPr id="2" name="Title 1">
             <a:extLst>
               <a:ext uri="{FF2B5EF4-FFF2-40B4-BE49-F238E27FC236}">
-                <a16:creationId xmlns="" xmlns:a16="http://schemas.microsoft.com/office/drawing/2014/main" id="{48AA63AB-FC32-684B-9A18-878639022D65}"/>
+                <a16:creationId xmlns:a16="http://schemas.microsoft.com/office/drawing/2014/main" xmlns="" id="{48AA63AB-FC32-684B-9A18-878639022D65}"/>
               </a:ext>
             </a:extLst>
           </p:cNvPr>
@@ -9049,7 +9063,7 @@
           <p:cNvPr id="6" name="Content Placeholder 5">
             <a:extLst>
               <a:ext uri="{FF2B5EF4-FFF2-40B4-BE49-F238E27FC236}">
-                <a16:creationId xmlns="" xmlns:a16="http://schemas.microsoft.com/office/drawing/2014/main" id="{B234ADAB-42E6-6E47-B0C5-32BB77475899}"/>
+                <a16:creationId xmlns:a16="http://schemas.microsoft.com/office/drawing/2014/main" xmlns="" id="{B234ADAB-42E6-6E47-B0C5-32BB77475899}"/>
               </a:ext>
             </a:extLst>
           </p:cNvPr>
@@ -9078,7 +9092,7 @@
           <p:cNvPr id="8" name="Content Placeholder 7">
             <a:extLst>
               <a:ext uri="{FF2B5EF4-FFF2-40B4-BE49-F238E27FC236}">
-                <a16:creationId xmlns="" xmlns:a16="http://schemas.microsoft.com/office/drawing/2014/main" id="{C7BFA443-27F8-3F4F-85E2-933247753554}"/>
+                <a16:creationId xmlns:a16="http://schemas.microsoft.com/office/drawing/2014/main" xmlns="" id="{C7BFA443-27F8-3F4F-85E2-933247753554}"/>
               </a:ext>
             </a:extLst>
           </p:cNvPr>
@@ -9107,7 +9121,7 @@
           <p:cNvPr id="10" name="Content Placeholder 2">
             <a:extLst>
               <a:ext uri="{FF2B5EF4-FFF2-40B4-BE49-F238E27FC236}">
-                <a16:creationId xmlns="" xmlns:a16="http://schemas.microsoft.com/office/drawing/2014/main" id="{4FACDD19-44BF-3A49-B8D9-580BF27173F1}"/>
+                <a16:creationId xmlns:a16="http://schemas.microsoft.com/office/drawing/2014/main" xmlns="" id="{4FACDD19-44BF-3A49-B8D9-580BF27173F1}"/>
               </a:ext>
             </a:extLst>
           </p:cNvPr>
@@ -9348,7 +9362,7 @@
           <p:cNvPr id="11" name="Content Placeholder 2">
             <a:extLst>
               <a:ext uri="{FF2B5EF4-FFF2-40B4-BE49-F238E27FC236}">
-                <a16:creationId xmlns="" xmlns:a16="http://schemas.microsoft.com/office/drawing/2014/main" id="{8762A245-75FA-4744-A300-412AC6A4B215}"/>
+                <a16:creationId xmlns:a16="http://schemas.microsoft.com/office/drawing/2014/main" xmlns="" id="{8762A245-75FA-4744-A300-412AC6A4B215}"/>
               </a:ext>
             </a:extLst>
           </p:cNvPr>
@@ -9619,7 +9633,7 @@
           <p:cNvPr id="2" name="Title 1">
             <a:extLst>
               <a:ext uri="{FF2B5EF4-FFF2-40B4-BE49-F238E27FC236}">
-                <a16:creationId xmlns="" xmlns:a16="http://schemas.microsoft.com/office/drawing/2014/main" id="{E1F1FE36-2493-C747-9CF3-7413C66FFDF0}"/>
+                <a16:creationId xmlns:a16="http://schemas.microsoft.com/office/drawing/2014/main" xmlns="" id="{E1F1FE36-2493-C747-9CF3-7413C66FFDF0}"/>
               </a:ext>
             </a:extLst>
           </p:cNvPr>
@@ -9654,7 +9668,7 @@
           <p:cNvPr id="7" name="Content Placeholder 2">
             <a:extLst>
               <a:ext uri="{FF2B5EF4-FFF2-40B4-BE49-F238E27FC236}">
-                <a16:creationId xmlns="" xmlns:a16="http://schemas.microsoft.com/office/drawing/2014/main" id="{2D72A025-59E2-CC4D-A262-8064A0A01945}"/>
+                <a16:creationId xmlns:a16="http://schemas.microsoft.com/office/drawing/2014/main" xmlns="" id="{2D72A025-59E2-CC4D-A262-8064A0A01945}"/>
               </a:ext>
             </a:extLst>
           </p:cNvPr>
@@ -9941,7 +9955,7 @@
           <p:cNvPr id="9" name="Picture 8">
             <a:extLst>
               <a:ext uri="{FF2B5EF4-FFF2-40B4-BE49-F238E27FC236}">
-                <a16:creationId xmlns="" xmlns:a16="http://schemas.microsoft.com/office/drawing/2014/main" id="{16E09185-833B-944F-A25C-7C9ABAD6C321}"/>
+                <a16:creationId xmlns:a16="http://schemas.microsoft.com/office/drawing/2014/main" xmlns="" id="{16E09185-833B-944F-A25C-7C9ABAD6C321}"/>
               </a:ext>
             </a:extLst>
           </p:cNvPr>
@@ -9971,7 +9985,7 @@
           <p:cNvPr id="4" name="TextBox 3">
             <a:extLst>
               <a:ext uri="{FF2B5EF4-FFF2-40B4-BE49-F238E27FC236}">
-                <a16:creationId xmlns="" xmlns:a16="http://schemas.microsoft.com/office/drawing/2014/main" id="{0148748A-4028-F04B-9205-9957DA768280}"/>
+                <a16:creationId xmlns:a16="http://schemas.microsoft.com/office/drawing/2014/main" xmlns="" id="{0148748A-4028-F04B-9205-9957DA768280}"/>
               </a:ext>
             </a:extLst>
           </p:cNvPr>
@@ -10011,7 +10025,7 @@
           <p:cNvPr id="5" name="TextBox 4">
             <a:extLst>
               <a:ext uri="{FF2B5EF4-FFF2-40B4-BE49-F238E27FC236}">
-                <a16:creationId xmlns="" xmlns:a16="http://schemas.microsoft.com/office/drawing/2014/main" id="{2A1E9944-78C4-B249-A329-F1BABE2152D6}"/>
+                <a16:creationId xmlns:a16="http://schemas.microsoft.com/office/drawing/2014/main" xmlns="" id="{2A1E9944-78C4-B249-A329-F1BABE2152D6}"/>
               </a:ext>
             </a:extLst>
           </p:cNvPr>
@@ -10046,7 +10060,7 @@
           <p:cNvPr id="8" name="Picture 7">
             <a:extLst>
               <a:ext uri="{FF2B5EF4-FFF2-40B4-BE49-F238E27FC236}">
-                <a16:creationId xmlns="" xmlns:a16="http://schemas.microsoft.com/office/drawing/2014/main" id="{3096245B-1D8A-EE40-AA57-479874CA6C05}"/>
+                <a16:creationId xmlns:a16="http://schemas.microsoft.com/office/drawing/2014/main" xmlns="" id="{3096245B-1D8A-EE40-AA57-479874CA6C05}"/>
               </a:ext>
             </a:extLst>
           </p:cNvPr>
@@ -10990,7 +11004,7 @@
   <a:extraClrSchemeLst/>
   <a:extLst>
     <a:ext uri="{05A4C25C-085E-4340-85A3-A5531E510DB2}">
-      <thm15:themeFamily xmlns="" xmlns:thm15="http://schemas.microsoft.com/office/thememl/2012/main" name="Dividend" id="{9697A71B-4AB7-4A1A-BD5B-BB2D22835B57}" vid="{C21699FF-00E4-43C8-BBCC-D7E5536C3717}"/>
+      <thm15:themeFamily xmlns:thm15="http://schemas.microsoft.com/office/thememl/2012/main" xmlns="" name="Dividend" id="{9697A71B-4AB7-4A1A-BD5B-BB2D22835B57}" vid="{C21699FF-00E4-43C8-BBCC-D7E5536C3717}"/>
     </a:ext>
   </a:extLst>
 </a:theme>
